--- a/ansible/release/01__About-Class.pptx
+++ b/ansible/release/01__About-Class.pptx
@@ -2453,20 +2453,12 @@
         </p:nvSpPr>
         <p:spPr/>
         <p:txBody>
-          <a:bodyPr wrap="square">
-            <a:noAutofit/>
-          </a:bodyPr>
+          <a:bodyPr/>
           <a:lstStyle/>
           <a:p>
             <a:r>
-              <a:rPr sz="4200" b="1" i="0">
-                <a:latin typeface="Times New Roman"/>
-              </a:rPr>
               <a:t>About Ansible Class</a:t>
             </a:r>
-            <a:endParaRPr sz="4200" b="1" i="0">
-              <a:latin typeface="Times New Roman"/>
-            </a:endParaRPr>
           </a:p>
         </p:txBody>
       </p:sp>
